--- a/Figs/Poster_Model.pptx
+++ b/Figs/Poster_Model.pptx
@@ -252,7 +252,7 @@
           <a:p>
             <a:fld id="{DD0638F2-96AF-4FFC-94C8-82474F2FCD68}" type="datetimeFigureOut">
               <a:rPr lang="de-DE" smtClean="0"/>
-              <a:t>11.07.2024</a:t>
+              <a:t>13.10.25</a:t>
             </a:fld>
             <a:endParaRPr lang="de-DE"/>
           </a:p>
@@ -422,7 +422,7 @@
           <a:p>
             <a:fld id="{DD0638F2-96AF-4FFC-94C8-82474F2FCD68}" type="datetimeFigureOut">
               <a:rPr lang="de-DE" smtClean="0"/>
-              <a:t>11.07.2024</a:t>
+              <a:t>13.10.25</a:t>
             </a:fld>
             <a:endParaRPr lang="de-DE"/>
           </a:p>
@@ -602,7 +602,7 @@
           <a:p>
             <a:fld id="{DD0638F2-96AF-4FFC-94C8-82474F2FCD68}" type="datetimeFigureOut">
               <a:rPr lang="de-DE" smtClean="0"/>
-              <a:t>11.07.2024</a:t>
+              <a:t>13.10.25</a:t>
             </a:fld>
             <a:endParaRPr lang="de-DE"/>
           </a:p>
@@ -772,7 +772,7 @@
           <a:p>
             <a:fld id="{DD0638F2-96AF-4FFC-94C8-82474F2FCD68}" type="datetimeFigureOut">
               <a:rPr lang="de-DE" smtClean="0"/>
-              <a:t>11.07.2024</a:t>
+              <a:t>13.10.25</a:t>
             </a:fld>
             <a:endParaRPr lang="de-DE"/>
           </a:p>
@@ -1016,7 +1016,7 @@
           <a:p>
             <a:fld id="{DD0638F2-96AF-4FFC-94C8-82474F2FCD68}" type="datetimeFigureOut">
               <a:rPr lang="de-DE" smtClean="0"/>
-              <a:t>11.07.2024</a:t>
+              <a:t>13.10.25</a:t>
             </a:fld>
             <a:endParaRPr lang="de-DE"/>
           </a:p>
@@ -1248,7 +1248,7 @@
           <a:p>
             <a:fld id="{DD0638F2-96AF-4FFC-94C8-82474F2FCD68}" type="datetimeFigureOut">
               <a:rPr lang="de-DE" smtClean="0"/>
-              <a:t>11.07.2024</a:t>
+              <a:t>13.10.25</a:t>
             </a:fld>
             <a:endParaRPr lang="de-DE"/>
           </a:p>
@@ -1615,7 +1615,7 @@
           <a:p>
             <a:fld id="{DD0638F2-96AF-4FFC-94C8-82474F2FCD68}" type="datetimeFigureOut">
               <a:rPr lang="de-DE" smtClean="0"/>
-              <a:t>11.07.2024</a:t>
+              <a:t>13.10.25</a:t>
             </a:fld>
             <a:endParaRPr lang="de-DE"/>
           </a:p>
@@ -1733,7 +1733,7 @@
           <a:p>
             <a:fld id="{DD0638F2-96AF-4FFC-94C8-82474F2FCD68}" type="datetimeFigureOut">
               <a:rPr lang="de-DE" smtClean="0"/>
-              <a:t>11.07.2024</a:t>
+              <a:t>13.10.25</a:t>
             </a:fld>
             <a:endParaRPr lang="de-DE"/>
           </a:p>
@@ -1828,7 +1828,7 @@
           <a:p>
             <a:fld id="{DD0638F2-96AF-4FFC-94C8-82474F2FCD68}" type="datetimeFigureOut">
               <a:rPr lang="de-DE" smtClean="0"/>
-              <a:t>11.07.2024</a:t>
+              <a:t>13.10.25</a:t>
             </a:fld>
             <a:endParaRPr lang="de-DE"/>
           </a:p>
@@ -2105,7 +2105,7 @@
           <a:p>
             <a:fld id="{DD0638F2-96AF-4FFC-94C8-82474F2FCD68}" type="datetimeFigureOut">
               <a:rPr lang="de-DE" smtClean="0"/>
-              <a:t>11.07.2024</a:t>
+              <a:t>13.10.25</a:t>
             </a:fld>
             <a:endParaRPr lang="de-DE"/>
           </a:p>
@@ -2362,7 +2362,7 @@
           <a:p>
             <a:fld id="{DD0638F2-96AF-4FFC-94C8-82474F2FCD68}" type="datetimeFigureOut">
               <a:rPr lang="de-DE" smtClean="0"/>
-              <a:t>11.07.2024</a:t>
+              <a:t>13.10.25</a:t>
             </a:fld>
             <a:endParaRPr lang="de-DE"/>
           </a:p>
@@ -2575,7 +2575,7 @@
           <a:p>
             <a:fld id="{DD0638F2-96AF-4FFC-94C8-82474F2FCD68}" type="datetimeFigureOut">
               <a:rPr lang="de-DE" smtClean="0"/>
-              <a:t>11.07.2024</a:t>
+              <a:t>13.10.25</a:t>
             </a:fld>
             <a:endParaRPr lang="de-DE"/>
           </a:p>
@@ -3138,8 +3138,8 @@
         </p:nvSpPr>
         <p:spPr>
           <a:xfrm>
-            <a:off x="423985" y="569882"/>
-            <a:ext cx="20765561" cy="3635034"/>
+            <a:off x="279607" y="182484"/>
+            <a:ext cx="20765561" cy="4275209"/>
           </a:xfrm>
           <a:prstGeom prst="rect">
             <a:avLst/>
@@ -3151,53 +3151,6 @@
             <a:spAutoFit/>
           </a:bodyPr>
           <a:lstStyle/>
-          <a:p>
-            <a:pPr>
-              <a:lnSpc>
-                <a:spcPct val="130000"/>
-              </a:lnSpc>
-            </a:pPr>
-            <a:r>
-              <a:rPr lang="de-DE" sz="6000" b="1" dirty="0">
-                <a:solidFill>
-                  <a:schemeClr val="bg1"/>
-                </a:solidFill>
-                <a:latin typeface="Arial" panose="020B0604020202020204" pitchFamily="34" charset="0"/>
-                <a:cs typeface="Arial" panose="020B0604020202020204" pitchFamily="34" charset="0"/>
-              </a:rPr>
-              <a:t>Latte </a:t>
-            </a:r>
-            <a:r>
-              <a:rPr lang="de-DE" sz="6000" b="1" dirty="0" err="1">
-                <a:solidFill>
-                  <a:schemeClr val="bg1"/>
-                </a:solidFill>
-                <a:latin typeface="Arial" panose="020B0604020202020204" pitchFamily="34" charset="0"/>
-                <a:cs typeface="Arial" panose="020B0604020202020204" pitchFamily="34" charset="0"/>
-              </a:rPr>
-              <a:t>for</a:t>
-            </a:r>
-            <a:r>
-              <a:rPr lang="de-DE" sz="6000" b="1" dirty="0">
-                <a:solidFill>
-                  <a:schemeClr val="bg1"/>
-                </a:solidFill>
-                <a:latin typeface="Arial" panose="020B0604020202020204" pitchFamily="34" charset="0"/>
-                <a:cs typeface="Arial" panose="020B0604020202020204" pitchFamily="34" charset="0"/>
-              </a:rPr>
-              <a:t> Leeches</a:t>
-            </a:r>
-            <a:r>
-              <a:rPr lang="de-DE" sz="6000" dirty="0">
-                <a:solidFill>
-                  <a:schemeClr val="bg1"/>
-                </a:solidFill>
-                <a:latin typeface="Arial" panose="020B0604020202020204" pitchFamily="34" charset="0"/>
-                <a:cs typeface="Arial" panose="020B0604020202020204" pitchFamily="34" charset="0"/>
-              </a:rPr>
-              <a:t>:</a:t>
-            </a:r>
-          </a:p>
           <a:p>
             <a:pPr>
               <a:lnSpc>
@@ -3212,35 +3165,8 @@
                 <a:latin typeface="Arial" panose="020B0604020202020204" pitchFamily="34" charset="0"/>
                 <a:cs typeface="Arial" panose="020B0604020202020204" pitchFamily="34" charset="0"/>
               </a:rPr>
-              <a:t>The Double-</a:t>
-            </a:r>
-            <a:r>
-              <a:rPr lang="en-GB" sz="6000" dirty="0" err="1">
-                <a:solidFill>
-                  <a:schemeClr val="bg1"/>
-                </a:solidFill>
-                <a:latin typeface="Arial" panose="020B0604020202020204" pitchFamily="34" charset="0"/>
-                <a:cs typeface="Arial" panose="020B0604020202020204" pitchFamily="34" charset="0"/>
-              </a:rPr>
-              <a:t>Coupleccino</a:t>
-            </a:r>
-            <a:r>
-              <a:rPr lang="en-GB" sz="6000" dirty="0">
-                <a:solidFill>
-                  <a:schemeClr val="bg1"/>
-                </a:solidFill>
-                <a:latin typeface="Arial" panose="020B0604020202020204" pitchFamily="34" charset="0"/>
-                <a:cs typeface="Arial" panose="020B0604020202020204" pitchFamily="34" charset="0"/>
-              </a:rPr>
-              <a:t> Model</a:t>
-            </a:r>
-            <a:endParaRPr lang="de-DE" sz="6000" dirty="0">
-              <a:solidFill>
-                <a:schemeClr val="bg1"/>
-              </a:solidFill>
-              <a:latin typeface="Arial" panose="020B0604020202020204" pitchFamily="34" charset="0"/>
-              <a:cs typeface="Arial" panose="020B0604020202020204" pitchFamily="34" charset="0"/>
-            </a:endParaRPr>
+              <a:t>The Coupleccino Model – Caffeine Effects on Electrically Coupled Retzius Cells using Hodgkin-Huxley Neuron model</a:t>
+            </a:r>
           </a:p>
           <a:p>
             <a:pPr>
@@ -3248,7 +3174,7 @@
                 <a:spcPct val="130000"/>
               </a:lnSpc>
             </a:pPr>
-            <a:r>
+            <a:br>
               <a:rPr lang="de-DE" sz="3200" dirty="0">
                 <a:solidFill>
                   <a:schemeClr val="bg1"/>
@@ -3256,7 +3182,36 @@
                 <a:latin typeface="Arial" panose="020B0604020202020204" pitchFamily="34" charset="0"/>
                 <a:cs typeface="Arial" panose="020B0604020202020204" pitchFamily="34" charset="0"/>
               </a:rPr>
-              <a:t>Elnur Imamaliyev and Maren Duken, Based on Data </a:t>
+            </a:br>
+            <a:r>
+              <a:rPr lang="de-DE" sz="3200" dirty="0">
+                <a:solidFill>
+                  <a:schemeClr val="bg1"/>
+                </a:solidFill>
+                <a:latin typeface="Arial" panose="020B0604020202020204" pitchFamily="34" charset="0"/>
+                <a:cs typeface="Arial" panose="020B0604020202020204" pitchFamily="34" charset="0"/>
+              </a:rPr>
+              <a:t>Elnur Imamaliyev and Maren Duken, </a:t>
+            </a:r>
+            <a:r>
+              <a:rPr lang="de-DE" sz="3200" dirty="0" err="1">
+                <a:solidFill>
+                  <a:schemeClr val="bg1"/>
+                </a:solidFill>
+                <a:latin typeface="Arial" panose="020B0604020202020204" pitchFamily="34" charset="0"/>
+                <a:cs typeface="Arial" panose="020B0604020202020204" pitchFamily="34" charset="0"/>
+              </a:rPr>
+              <a:t>Based</a:t>
+            </a:r>
+            <a:r>
+              <a:rPr lang="de-DE" sz="3200" dirty="0">
+                <a:solidFill>
+                  <a:schemeClr val="bg1"/>
+                </a:solidFill>
+                <a:latin typeface="Arial" panose="020B0604020202020204" pitchFamily="34" charset="0"/>
+                <a:cs typeface="Arial" panose="020B0604020202020204" pitchFamily="34" charset="0"/>
+              </a:rPr>
+              <a:t> on Data </a:t>
             </a:r>
             <a:r>
               <a:rPr lang="en-GB" sz="3200" dirty="0">
@@ -3276,7 +3231,67 @@
                 <a:latin typeface="Arial" panose="020B0604020202020204" pitchFamily="34" charset="0"/>
                 <a:cs typeface="Arial" panose="020B0604020202020204" pitchFamily="34" charset="0"/>
               </a:rPr>
-              <a:t>: Parvaneh Karami, Morvarid Etesami, Austin McNamara</a:t>
+              <a:t>: Parvaneh </a:t>
+            </a:r>
+            <a:r>
+              <a:rPr lang="de-DE" sz="3200" dirty="0" err="1">
+                <a:solidFill>
+                  <a:schemeClr val="bg1"/>
+                </a:solidFill>
+                <a:latin typeface="Arial" panose="020B0604020202020204" pitchFamily="34" charset="0"/>
+                <a:cs typeface="Arial" panose="020B0604020202020204" pitchFamily="34" charset="0"/>
+              </a:rPr>
+              <a:t>Karami</a:t>
+            </a:r>
+            <a:r>
+              <a:rPr lang="de-DE" sz="3200" dirty="0">
+                <a:solidFill>
+                  <a:schemeClr val="bg1"/>
+                </a:solidFill>
+                <a:latin typeface="Arial" panose="020B0604020202020204" pitchFamily="34" charset="0"/>
+                <a:cs typeface="Arial" panose="020B0604020202020204" pitchFamily="34" charset="0"/>
+              </a:rPr>
+              <a:t>, </a:t>
+            </a:r>
+            <a:r>
+              <a:rPr lang="de-DE" sz="3200" dirty="0" err="1">
+                <a:solidFill>
+                  <a:schemeClr val="bg1"/>
+                </a:solidFill>
+                <a:latin typeface="Arial" panose="020B0604020202020204" pitchFamily="34" charset="0"/>
+                <a:cs typeface="Arial" panose="020B0604020202020204" pitchFamily="34" charset="0"/>
+              </a:rPr>
+              <a:t>Morvarid</a:t>
+            </a:r>
+            <a:r>
+              <a:rPr lang="de-DE" sz="3200" dirty="0">
+                <a:solidFill>
+                  <a:schemeClr val="bg1"/>
+                </a:solidFill>
+                <a:latin typeface="Arial" panose="020B0604020202020204" pitchFamily="34" charset="0"/>
+                <a:cs typeface="Arial" panose="020B0604020202020204" pitchFamily="34" charset="0"/>
+              </a:rPr>
+              <a:t> </a:t>
+            </a:r>
+            <a:r>
+              <a:rPr lang="de-DE" sz="3200" dirty="0" err="1">
+                <a:solidFill>
+                  <a:schemeClr val="bg1"/>
+                </a:solidFill>
+                <a:latin typeface="Arial" panose="020B0604020202020204" pitchFamily="34" charset="0"/>
+                <a:cs typeface="Arial" panose="020B0604020202020204" pitchFamily="34" charset="0"/>
+              </a:rPr>
+              <a:t>Etesami</a:t>
+            </a:r>
+            <a:r>
+              <a:rPr lang="de-DE" sz="3200" dirty="0">
+                <a:solidFill>
+                  <a:schemeClr val="bg1"/>
+                </a:solidFill>
+                <a:latin typeface="Arial" panose="020B0604020202020204" pitchFamily="34" charset="0"/>
+                <a:cs typeface="Arial" panose="020B0604020202020204" pitchFamily="34" charset="0"/>
+              </a:rPr>
+              <a:t>, Austin McNamara</a:t>
             </a:r>
           </a:p>
           <a:p>
@@ -3705,8 +3720,8 @@
           </a:p>
         </p:txBody>
       </p:sp>
-      <mc:AlternateContent xmlns:mc="http://schemas.openxmlformats.org/markup-compatibility/2006">
-        <mc:Choice xmlns:a14="http://schemas.microsoft.com/office/drawing/2010/main" Requires="a14">
+      <mc:AlternateContent xmlns:mc="http://schemas.openxmlformats.org/markup-compatibility/2006" xmlns:a14="http://schemas.microsoft.com/office/drawing/2010/main">
+        <mc:Choice Requires="a14">
           <p:sp>
             <p:nvSpPr>
               <p:cNvPr id="30" name="TextBox 29">
@@ -6739,7 +6754,7 @@
             </p:txBody>
           </p:sp>
         </mc:Choice>
-        <mc:Fallback>
+        <mc:Fallback xmlns="">
           <p:sp>
             <p:nvSpPr>
               <p:cNvPr id="30" name="TextBox 29">
